--- a/Lectures/Week 0/0. Introduction.pptx
+++ b/Lectures/Week 0/0. Introduction.pptx
@@ -22,6 +22,7 @@
     <p:sldId id="266" r:id="rId16"/>
     <p:sldId id="267" r:id="rId17"/>
     <p:sldId id="268" r:id="rId18"/>
+    <p:sldId id="274" r:id="rId19"/>
   </p:sldIdLst>
   <p:sldSz cx="12192000" cy="6858000"/>
   <p:notesSz cx="6858000" cy="9144000"/>
@@ -274,7 +275,7 @@
           <a:lstStyle/>
           <a:p>
             <a:fld id="{5A16CCFD-ABC4-514A-ACED-AF374D0AF7A0}" type="datetimeFigureOut">
-              <a:t>9/14/20</a:t>
+              <a:t>9/15/20</a:t>
             </a:fld>
             <a:endParaRPr lang="en-US"/>
           </a:p>
@@ -470,7 +471,7 @@
           <a:lstStyle/>
           <a:p>
             <a:fld id="{5A16CCFD-ABC4-514A-ACED-AF374D0AF7A0}" type="datetimeFigureOut">
-              <a:t>9/14/20</a:t>
+              <a:t>9/15/20</a:t>
             </a:fld>
             <a:endParaRPr lang="en-US"/>
           </a:p>
@@ -676,7 +677,7 @@
           <a:lstStyle/>
           <a:p>
             <a:fld id="{5A16CCFD-ABC4-514A-ACED-AF374D0AF7A0}" type="datetimeFigureOut">
-              <a:t>9/14/20</a:t>
+              <a:t>9/15/20</a:t>
             </a:fld>
             <a:endParaRPr lang="en-US"/>
           </a:p>
@@ -872,7 +873,7 @@
           <a:lstStyle/>
           <a:p>
             <a:fld id="{5A16CCFD-ABC4-514A-ACED-AF374D0AF7A0}" type="datetimeFigureOut">
-              <a:t>9/14/20</a:t>
+              <a:t>9/15/20</a:t>
             </a:fld>
             <a:endParaRPr lang="en-US"/>
           </a:p>
@@ -1145,7 +1146,7 @@
           <a:lstStyle/>
           <a:p>
             <a:fld id="{5A16CCFD-ABC4-514A-ACED-AF374D0AF7A0}" type="datetimeFigureOut">
-              <a:t>9/14/20</a:t>
+              <a:t>9/15/20</a:t>
             </a:fld>
             <a:endParaRPr lang="en-US"/>
           </a:p>
@@ -1408,7 +1409,7 @@
           <a:lstStyle/>
           <a:p>
             <a:fld id="{5A16CCFD-ABC4-514A-ACED-AF374D0AF7A0}" type="datetimeFigureOut">
-              <a:t>9/14/20</a:t>
+              <a:t>9/15/20</a:t>
             </a:fld>
             <a:endParaRPr lang="en-US"/>
           </a:p>
@@ -1818,7 +1819,7 @@
           <a:lstStyle/>
           <a:p>
             <a:fld id="{5A16CCFD-ABC4-514A-ACED-AF374D0AF7A0}" type="datetimeFigureOut">
-              <a:t>9/14/20</a:t>
+              <a:t>9/15/20</a:t>
             </a:fld>
             <a:endParaRPr lang="en-US"/>
           </a:p>
@@ -1957,7 +1958,7 @@
           <a:lstStyle/>
           <a:p>
             <a:fld id="{5A16CCFD-ABC4-514A-ACED-AF374D0AF7A0}" type="datetimeFigureOut">
-              <a:t>9/14/20</a:t>
+              <a:t>9/15/20</a:t>
             </a:fld>
             <a:endParaRPr lang="en-US"/>
           </a:p>
@@ -2068,7 +2069,7 @@
           <a:lstStyle/>
           <a:p>
             <a:fld id="{5A16CCFD-ABC4-514A-ACED-AF374D0AF7A0}" type="datetimeFigureOut">
-              <a:t>9/14/20</a:t>
+              <a:t>9/15/20</a:t>
             </a:fld>
             <a:endParaRPr lang="en-US"/>
           </a:p>
@@ -2377,7 +2378,7 @@
           <a:lstStyle/>
           <a:p>
             <a:fld id="{5A16CCFD-ABC4-514A-ACED-AF374D0AF7A0}" type="datetimeFigureOut">
-              <a:t>9/14/20</a:t>
+              <a:t>9/15/20</a:t>
             </a:fld>
             <a:endParaRPr lang="en-US"/>
           </a:p>
@@ -2663,7 +2664,7 @@
           <a:lstStyle/>
           <a:p>
             <a:fld id="{5A16CCFD-ABC4-514A-ACED-AF374D0AF7A0}" type="datetimeFigureOut">
-              <a:t>9/14/20</a:t>
+              <a:t>9/15/20</a:t>
             </a:fld>
             <a:endParaRPr lang="en-US"/>
           </a:p>
@@ -2902,7 +2903,7 @@
           </a:lstStyle>
           <a:p>
             <a:fld id="{5A16CCFD-ABC4-514A-ACED-AF374D0AF7A0}" type="datetimeFigureOut">
-              <a:t>9/14/20</a:t>
+              <a:t>9/15/20</a:t>
             </a:fld>
             <a:endParaRPr lang="en-US"/>
           </a:p>
@@ -6895,7 +6896,7 @@
             </a:br>
             <a:r>
               <a:rPr lang="en-US" dirty="0"/>
-              <a:t>Then k = a*b for two integers that are not 1 and not k+1.</a:t>
+              <a:t>Then k+1 = a*b for two integers that are not 1 and not k+1.</a:t>
             </a:r>
             <a:br>
               <a:rPr lang="en-US" dirty="0"/>
@@ -6927,15 +6928,15 @@
               <a:buNone/>
             </a:pPr>
             <a:r>
-              <a:rPr lang="en-US"/>
+              <a:rPr lang="en-US" dirty="0"/>
               <a:t>The principle of </a:t>
             </a:r>
             <a:r>
-              <a:rPr lang="en-US" b="1"/>
+              <a:rPr lang="en-US" b="1" dirty="0"/>
               <a:t>(strong) induction </a:t>
             </a:r>
             <a:r>
-              <a:rPr lang="en-US"/>
+              <a:rPr lang="en-US" dirty="0"/>
               <a:t>allows us now to conclude that the statement is true for any n.</a:t>
             </a:r>
           </a:p>
@@ -8436,7 +8437,7 @@
 </p:sld>
 </file>
 
-<file path=ppt/slides/slide2.xml><?xml version="1.0" encoding="utf-8"?>
+<file path=ppt/slides/slide18.xml><?xml version="1.0" encoding="utf-8"?>
 <p:sld xmlns:a="http://schemas.openxmlformats.org/drawingml/2006/main" xmlns:r="http://schemas.openxmlformats.org/officeDocument/2006/relationships" xmlns:p="http://schemas.openxmlformats.org/presentationml/2006/main">
   <p:cSld>
     <p:spTree>
@@ -8458,7 +8459,7 @@
           <p:cNvPr id="2" name="Title 1">
             <a:extLst>
               <a:ext uri="{FF2B5EF4-FFF2-40B4-BE49-F238E27FC236}">
-                <a16:creationId xmlns:a16="http://schemas.microsoft.com/office/drawing/2014/main" id="{4ECC6896-B657-EE40-97D5-4E9CC03D5CC8}"/>
+                <a16:creationId xmlns:a16="http://schemas.microsoft.com/office/drawing/2014/main" id="{59EDC1A6-EB65-F04E-B095-013DDC21A666}"/>
               </a:ext>
             </a:extLst>
           </p:cNvPr>
@@ -8475,9 +8476,34 @@
           <a:lstStyle/>
           <a:p>
             <a:r>
-              <a:rPr lang="en-US"/>
-              <a:t>Overview of the Course</a:t>
-            </a:r>
+              <a:rPr lang="en-US" dirty="0"/>
+              <a:t>Data, Life, Games &amp; Numbers</a:t>
+            </a:r>
+          </a:p>
+        </p:txBody>
+      </p:sp>
+      <p:sp>
+        <p:nvSpPr>
+          <p:cNvPr id="3" name="Content Placeholder 2">
+            <a:extLst>
+              <a:ext uri="{FF2B5EF4-FFF2-40B4-BE49-F238E27FC236}">
+                <a16:creationId xmlns:a16="http://schemas.microsoft.com/office/drawing/2014/main" id="{F7606FB2-05E0-9347-BE38-2056140AE4EE}"/>
+              </a:ext>
+            </a:extLst>
+          </p:cNvPr>
+          <p:cNvSpPr>
+            <a:spLocks noGrp="1"/>
+          </p:cNvSpPr>
+          <p:nvPr>
+            <p:ph idx="1"/>
+          </p:nvPr>
+        </p:nvSpPr>
+        <p:spPr/>
+        <p:txBody>
+          <a:bodyPr/>
+          <a:lstStyle/>
+          <a:p>
+            <a:endParaRPr lang="en-US"/>
           </a:p>
         </p:txBody>
       </p:sp>
@@ -8486,24 +8512,23 @@
           <p:cNvPr id="4" name="Content Placeholder 3">
             <a:extLst>
               <a:ext uri="{FF2B5EF4-FFF2-40B4-BE49-F238E27FC236}">
-                <a16:creationId xmlns:a16="http://schemas.microsoft.com/office/drawing/2014/main" id="{DA4F8989-E78B-814F-B08A-3CB8F3E528A7}"/>
+                <a16:creationId xmlns:a16="http://schemas.microsoft.com/office/drawing/2014/main" id="{3F148ADB-501E-A545-A435-3416EDEA9799}"/>
               </a:ext>
             </a:extLst>
           </p:cNvPr>
           <p:cNvGraphicFramePr>
-            <a:graphicFrameLocks noGrp="1"/>
+            <a:graphicFrameLocks/>
           </p:cNvGraphicFramePr>
           <p:nvPr>
-            <p:ph idx="1"/>
             <p:extLst>
               <p:ext uri="{D42A27DB-BD31-4B8C-83A1-F6EECF244321}">
-                <p14:modId xmlns:p14="http://schemas.microsoft.com/office/powerpoint/2010/main" val="2622540673"/>
+                <p14:modId xmlns:p14="http://schemas.microsoft.com/office/powerpoint/2010/main" val="1177646574"/>
               </p:ext>
             </p:extLst>
           </p:nvPr>
         </p:nvGraphicFramePr>
         <p:xfrm>
-          <a:off x="1710466" y="1518669"/>
+          <a:off x="1713827" y="1979295"/>
           <a:ext cx="8764345" cy="4878705"/>
         </p:xfrm>
         <a:graphic>
@@ -8589,12 +8614,12 @@
                     <a:p>
                       <a:pPr algn="l" fontAlgn="b"/>
                       <a:r>
-                        <a:rPr lang="en-GB" sz="2400" u="none" strike="noStrike">
+                        <a:rPr lang="en-GB" sz="2400" u="none" strike="noStrike" dirty="0">
                           <a:effectLst/>
                         </a:rPr>
                         <a:t>Week 2</a:t>
                       </a:r>
-                      <a:endParaRPr lang="en-GB" sz="2400" b="0" i="0" u="none" strike="noStrike">
+                      <a:endParaRPr lang="en-GB" sz="2400" b="0" i="0" u="none" strike="noStrike" dirty="0">
                         <a:solidFill>
                           <a:srgbClr val="000000"/>
                         </a:solidFill>
@@ -9195,12 +9220,810 @@
                     <a:p>
                       <a:pPr algn="l" fontAlgn="b"/>
                       <a:r>
-                        <a:rPr lang="en-GB" sz="2400" u="none" strike="noStrike">
+                        <a:rPr lang="en-GB" sz="2400" u="none" strike="noStrike" dirty="0">
                           <a:effectLst/>
                         </a:rPr>
                         <a:t>Advanced Probability</a:t>
                       </a:r>
+                      <a:endParaRPr lang="en-GB" sz="2400" b="0" i="0" u="none" strike="noStrike" dirty="0">
+                        <a:solidFill>
+                          <a:srgbClr val="000000"/>
+                        </a:solidFill>
+                        <a:effectLst/>
+                        <a:latin typeface="Calibri" panose="020F0502020204030204" pitchFamily="34" charset="0"/>
+                      </a:endParaRPr>
+                    </a:p>
+                  </a:txBody>
+                  <a:tcPr marL="9525" marR="9525" marT="9525" marB="0" anchor="b"/>
+                </a:tc>
+                <a:extLst>
+                  <a:ext uri="{0D108BD9-81ED-4DB2-BD59-A6C34878D82A}">
+                    <a16:rowId xmlns:a16="http://schemas.microsoft.com/office/drawing/2014/main" val="1086075888"/>
+                  </a:ext>
+                </a:extLst>
+              </a:tr>
+            </a:tbl>
+          </a:graphicData>
+        </a:graphic>
+      </p:graphicFrame>
+    </p:spTree>
+    <p:extLst>
+      <p:ext uri="{BB962C8B-B14F-4D97-AF65-F5344CB8AC3E}">
+        <p14:creationId xmlns:p14="http://schemas.microsoft.com/office/powerpoint/2010/main" val="1607172874"/>
+      </p:ext>
+    </p:extLst>
+  </p:cSld>
+  <p:clrMapOvr>
+    <a:masterClrMapping/>
+  </p:clrMapOvr>
+</p:sld>
+</file>
+
+<file path=ppt/slides/slide2.xml><?xml version="1.0" encoding="utf-8"?>
+<p:sld xmlns:a="http://schemas.openxmlformats.org/drawingml/2006/main" xmlns:r="http://schemas.openxmlformats.org/officeDocument/2006/relationships" xmlns:p="http://schemas.openxmlformats.org/presentationml/2006/main">
+  <p:cSld>
+    <p:spTree>
+      <p:nvGrpSpPr>
+        <p:cNvPr id="1" name=""/>
+        <p:cNvGrpSpPr/>
+        <p:nvPr/>
+      </p:nvGrpSpPr>
+      <p:grpSpPr>
+        <a:xfrm>
+          <a:off x="0" y="0"/>
+          <a:ext cx="0" cy="0"/>
+          <a:chOff x="0" y="0"/>
+          <a:chExt cx="0" cy="0"/>
+        </a:xfrm>
+      </p:grpSpPr>
+      <p:sp>
+        <p:nvSpPr>
+          <p:cNvPr id="2" name="Title 1">
+            <a:extLst>
+              <a:ext uri="{FF2B5EF4-FFF2-40B4-BE49-F238E27FC236}">
+                <a16:creationId xmlns:a16="http://schemas.microsoft.com/office/drawing/2014/main" id="{4ECC6896-B657-EE40-97D5-4E9CC03D5CC8}"/>
+              </a:ext>
+            </a:extLst>
+          </p:cNvPr>
+          <p:cNvSpPr>
+            <a:spLocks noGrp="1"/>
+          </p:cNvSpPr>
+          <p:nvPr>
+            <p:ph type="title"/>
+          </p:nvPr>
+        </p:nvSpPr>
+        <p:spPr/>
+        <p:txBody>
+          <a:bodyPr/>
+          <a:lstStyle/>
+          <a:p>
+            <a:r>
+              <a:rPr lang="en-US"/>
+              <a:t>Overview of the Course</a:t>
+            </a:r>
+          </a:p>
+        </p:txBody>
+      </p:sp>
+      <p:graphicFrame>
+        <p:nvGraphicFramePr>
+          <p:cNvPr id="4" name="Content Placeholder 3">
+            <a:extLst>
+              <a:ext uri="{FF2B5EF4-FFF2-40B4-BE49-F238E27FC236}">
+                <a16:creationId xmlns:a16="http://schemas.microsoft.com/office/drawing/2014/main" id="{DA4F8989-E78B-814F-B08A-3CB8F3E528A7}"/>
+              </a:ext>
+            </a:extLst>
+          </p:cNvPr>
+          <p:cNvGraphicFramePr>
+            <a:graphicFrameLocks noGrp="1"/>
+          </p:cNvGraphicFramePr>
+          <p:nvPr>
+            <p:ph idx="1"/>
+            <p:extLst>
+              <p:ext uri="{D42A27DB-BD31-4B8C-83A1-F6EECF244321}">
+                <p14:modId xmlns:p14="http://schemas.microsoft.com/office/powerpoint/2010/main" val="2622540673"/>
+              </p:ext>
+            </p:extLst>
+          </p:nvPr>
+        </p:nvGraphicFramePr>
+        <p:xfrm>
+          <a:off x="1710466" y="1518669"/>
+          <a:ext cx="8764345" cy="4878705"/>
+        </p:xfrm>
+        <a:graphic>
+          <a:graphicData uri="http://schemas.openxmlformats.org/drawingml/2006/table">
+            <a:tbl>
+              <a:tblPr>
+                <a:tableStyleId>{5C22544A-7EE6-4342-B048-85BDC9FD1C3A}</a:tableStyleId>
+              </a:tblPr>
+              <a:tblGrid>
+                <a:gridCol w="2272075">
+                  <a:extLst>
+                    <a:ext uri="{9D8B030D-6E8A-4147-A177-3AD203B41FA5}">
+                      <a16:colId xmlns:a16="http://schemas.microsoft.com/office/drawing/2014/main" val="723171101"/>
+                    </a:ext>
+                  </a:extLst>
+                </a:gridCol>
+                <a:gridCol w="6492270">
+                  <a:extLst>
+                    <a:ext uri="{9D8B030D-6E8A-4147-A177-3AD203B41FA5}">
+                      <a16:colId xmlns:a16="http://schemas.microsoft.com/office/drawing/2014/main" val="232840751"/>
+                    </a:ext>
+                  </a:extLst>
+                </a:gridCol>
+              </a:tblGrid>
+              <a:tr h="203200">
+                <a:tc>
+                  <a:txBody>
+                    <a:bodyPr/>
+                    <a:lstStyle/>
+                    <a:p>
+                      <a:pPr algn="l" fontAlgn="b"/>
+                      <a:r>
+                        <a:rPr lang="en-GB" sz="2400" u="none" strike="noStrike">
+                          <a:effectLst/>
+                        </a:rPr>
+                        <a:t>Week 1</a:t>
+                      </a:r>
                       <a:endParaRPr lang="en-GB" sz="2400" b="0" i="0" u="none" strike="noStrike">
+                        <a:solidFill>
+                          <a:srgbClr val="000000"/>
+                        </a:solidFill>
+                        <a:effectLst/>
+                        <a:latin typeface="Calibri" panose="020F0502020204030204" pitchFamily="34" charset="0"/>
+                      </a:endParaRPr>
+                    </a:p>
+                  </a:txBody>
+                  <a:tcPr marL="9525" marR="9525" marT="9525" marB="0" anchor="b"/>
+                </a:tc>
+                <a:tc>
+                  <a:txBody>
+                    <a:bodyPr/>
+                    <a:lstStyle/>
+                    <a:p>
+                      <a:pPr algn="l" fontAlgn="b"/>
+                      <a:r>
+                        <a:rPr lang="en-GB" sz="2400" u="none" strike="noStrike">
+                          <a:effectLst/>
+                        </a:rPr>
+                        <a:t>Propositional Logic</a:t>
+                      </a:r>
+                      <a:endParaRPr lang="en-GB" sz="2400" b="0" i="0" u="none" strike="noStrike">
+                        <a:solidFill>
+                          <a:srgbClr val="000000"/>
+                        </a:solidFill>
+                        <a:effectLst/>
+                        <a:latin typeface="Calibri" panose="020F0502020204030204" pitchFamily="34" charset="0"/>
+                      </a:endParaRPr>
+                    </a:p>
+                  </a:txBody>
+                  <a:tcPr marL="9525" marR="9525" marT="9525" marB="0" anchor="b"/>
+                </a:tc>
+                <a:extLst>
+                  <a:ext uri="{0D108BD9-81ED-4DB2-BD59-A6C34878D82A}">
+                    <a16:rowId xmlns:a16="http://schemas.microsoft.com/office/drawing/2014/main" val="4225590833"/>
+                  </a:ext>
+                </a:extLst>
+              </a:tr>
+              <a:tr h="203200">
+                <a:tc>
+                  <a:txBody>
+                    <a:bodyPr/>
+                    <a:lstStyle/>
+                    <a:p>
+                      <a:pPr algn="l" fontAlgn="b"/>
+                      <a:r>
+                        <a:rPr lang="en-GB" sz="2400" u="none" strike="noStrike" dirty="0">
+                          <a:effectLst/>
+                        </a:rPr>
+                        <a:t>Week 2</a:t>
+                      </a:r>
+                      <a:endParaRPr lang="en-GB" sz="2400" b="0" i="0" u="none" strike="noStrike" dirty="0">
+                        <a:solidFill>
+                          <a:srgbClr val="000000"/>
+                        </a:solidFill>
+                        <a:effectLst/>
+                        <a:latin typeface="Calibri" panose="020F0502020204030204" pitchFamily="34" charset="0"/>
+                      </a:endParaRPr>
+                    </a:p>
+                  </a:txBody>
+                  <a:tcPr marL="9525" marR="9525" marT="9525" marB="0" anchor="b"/>
+                </a:tc>
+                <a:tc>
+                  <a:txBody>
+                    <a:bodyPr/>
+                    <a:lstStyle/>
+                    <a:p>
+                      <a:pPr algn="l" fontAlgn="b"/>
+                      <a:r>
+                        <a:rPr lang="en-GB" sz="2400" u="none" strike="noStrike">
+                          <a:effectLst/>
+                        </a:rPr>
+                        <a:t>Predicate Logic</a:t>
+                      </a:r>
+                      <a:endParaRPr lang="en-GB" sz="2400" b="0" i="0" u="none" strike="noStrike">
+                        <a:solidFill>
+                          <a:srgbClr val="000000"/>
+                        </a:solidFill>
+                        <a:effectLst/>
+                        <a:latin typeface="Calibri" panose="020F0502020204030204" pitchFamily="34" charset="0"/>
+                      </a:endParaRPr>
+                    </a:p>
+                  </a:txBody>
+                  <a:tcPr marL="9525" marR="9525" marT="9525" marB="0" anchor="b"/>
+                </a:tc>
+                <a:extLst>
+                  <a:ext uri="{0D108BD9-81ED-4DB2-BD59-A6C34878D82A}">
+                    <a16:rowId xmlns:a16="http://schemas.microsoft.com/office/drawing/2014/main" val="2250030485"/>
+                  </a:ext>
+                </a:extLst>
+              </a:tr>
+              <a:tr h="203200">
+                <a:tc>
+                  <a:txBody>
+                    <a:bodyPr/>
+                    <a:lstStyle/>
+                    <a:p>
+                      <a:pPr algn="l" fontAlgn="b"/>
+                      <a:r>
+                        <a:rPr lang="en-GB" sz="2400" u="none" strike="noStrike">
+                          <a:effectLst/>
+                        </a:rPr>
+                        <a:t>Week 3</a:t>
+                      </a:r>
+                      <a:endParaRPr lang="en-GB" sz="2400" b="0" i="0" u="none" strike="noStrike">
+                        <a:solidFill>
+                          <a:srgbClr val="000000"/>
+                        </a:solidFill>
+                        <a:effectLst/>
+                        <a:latin typeface="Calibri" panose="020F0502020204030204" pitchFamily="34" charset="0"/>
+                      </a:endParaRPr>
+                    </a:p>
+                  </a:txBody>
+                  <a:tcPr marL="9525" marR="9525" marT="9525" marB="0" anchor="b"/>
+                </a:tc>
+                <a:tc>
+                  <a:txBody>
+                    <a:bodyPr/>
+                    <a:lstStyle/>
+                    <a:p>
+                      <a:pPr algn="l" fontAlgn="b"/>
+                      <a:r>
+                        <a:rPr lang="en-GB" sz="2400" u="none" strike="noStrike">
+                          <a:effectLst/>
+                        </a:rPr>
+                        <a:t>Proofs</a:t>
+                      </a:r>
+                      <a:endParaRPr lang="en-GB" sz="2400" b="0" i="0" u="none" strike="noStrike">
+                        <a:solidFill>
+                          <a:srgbClr val="000000"/>
+                        </a:solidFill>
+                        <a:effectLst/>
+                        <a:latin typeface="Calibri" panose="020F0502020204030204" pitchFamily="34" charset="0"/>
+                      </a:endParaRPr>
+                    </a:p>
+                  </a:txBody>
+                  <a:tcPr marL="9525" marR="9525" marT="9525" marB="0" anchor="b"/>
+                </a:tc>
+                <a:extLst>
+                  <a:ext uri="{0D108BD9-81ED-4DB2-BD59-A6C34878D82A}">
+                    <a16:rowId xmlns:a16="http://schemas.microsoft.com/office/drawing/2014/main" val="1762313449"/>
+                  </a:ext>
+                </a:extLst>
+              </a:tr>
+              <a:tr h="203200">
+                <a:tc>
+                  <a:txBody>
+                    <a:bodyPr/>
+                    <a:lstStyle/>
+                    <a:p>
+                      <a:pPr algn="l" fontAlgn="b"/>
+                      <a:r>
+                        <a:rPr lang="en-GB" sz="2400" u="none" strike="noStrike">
+                          <a:effectLst/>
+                        </a:rPr>
+                        <a:t>Week 4</a:t>
+                      </a:r>
+                      <a:endParaRPr lang="en-GB" sz="2400" b="0" i="0" u="none" strike="noStrike">
+                        <a:solidFill>
+                          <a:srgbClr val="000000"/>
+                        </a:solidFill>
+                        <a:effectLst/>
+                        <a:latin typeface="Calibri" panose="020F0502020204030204" pitchFamily="34" charset="0"/>
+                      </a:endParaRPr>
+                    </a:p>
+                  </a:txBody>
+                  <a:tcPr marL="9525" marR="9525" marT="9525" marB="0" anchor="b"/>
+                </a:tc>
+                <a:tc>
+                  <a:txBody>
+                    <a:bodyPr/>
+                    <a:lstStyle/>
+                    <a:p>
+                      <a:pPr algn="l" fontAlgn="b"/>
+                      <a:r>
+                        <a:rPr lang="en-GB" sz="2400" u="none" strike="noStrike">
+                          <a:effectLst/>
+                        </a:rPr>
+                        <a:t>Sets, Functions, Relations</a:t>
+                      </a:r>
+                      <a:endParaRPr lang="en-GB" sz="2400" b="0" i="0" u="none" strike="noStrike">
+                        <a:solidFill>
+                          <a:srgbClr val="000000"/>
+                        </a:solidFill>
+                        <a:effectLst/>
+                        <a:latin typeface="Calibri" panose="020F0502020204030204" pitchFamily="34" charset="0"/>
+                      </a:endParaRPr>
+                    </a:p>
+                  </a:txBody>
+                  <a:tcPr marL="9525" marR="9525" marT="9525" marB="0" anchor="b"/>
+                </a:tc>
+                <a:extLst>
+                  <a:ext uri="{0D108BD9-81ED-4DB2-BD59-A6C34878D82A}">
+                    <a16:rowId xmlns:a16="http://schemas.microsoft.com/office/drawing/2014/main" val="2886799677"/>
+                  </a:ext>
+                </a:extLst>
+              </a:tr>
+              <a:tr h="203200">
+                <a:tc>
+                  <a:txBody>
+                    <a:bodyPr/>
+                    <a:lstStyle/>
+                    <a:p>
+                      <a:pPr algn="l" fontAlgn="b"/>
+                      <a:r>
+                        <a:rPr lang="en-GB" sz="2400" u="none" strike="noStrike">
+                          <a:effectLst/>
+                        </a:rPr>
+                        <a:t>Week 5</a:t>
+                      </a:r>
+                      <a:endParaRPr lang="en-GB" sz="2400" b="0" i="0" u="none" strike="noStrike">
+                        <a:solidFill>
+                          <a:srgbClr val="000000"/>
+                        </a:solidFill>
+                        <a:effectLst/>
+                        <a:latin typeface="Calibri" panose="020F0502020204030204" pitchFamily="34" charset="0"/>
+                      </a:endParaRPr>
+                    </a:p>
+                  </a:txBody>
+                  <a:tcPr marL="9525" marR="9525" marT="9525" marB="0" anchor="b"/>
+                </a:tc>
+                <a:tc>
+                  <a:txBody>
+                    <a:bodyPr/>
+                    <a:lstStyle/>
+                    <a:p>
+                      <a:pPr algn="l" fontAlgn="b"/>
+                      <a:r>
+                        <a:rPr lang="en-GB" sz="2400" u="none" strike="noStrike">
+                          <a:effectLst/>
+                        </a:rPr>
+                        <a:t>Relations, Sequences, Summations</a:t>
+                      </a:r>
+                      <a:endParaRPr lang="en-GB" sz="2400" b="0" i="0" u="none" strike="noStrike">
+                        <a:solidFill>
+                          <a:srgbClr val="000000"/>
+                        </a:solidFill>
+                        <a:effectLst/>
+                        <a:latin typeface="Calibri" panose="020F0502020204030204" pitchFamily="34" charset="0"/>
+                      </a:endParaRPr>
+                    </a:p>
+                  </a:txBody>
+                  <a:tcPr marL="9525" marR="9525" marT="9525" marB="0" anchor="b"/>
+                </a:tc>
+                <a:extLst>
+                  <a:ext uri="{0D108BD9-81ED-4DB2-BD59-A6C34878D82A}">
+                    <a16:rowId xmlns:a16="http://schemas.microsoft.com/office/drawing/2014/main" val="303260839"/>
+                  </a:ext>
+                </a:extLst>
+              </a:tr>
+              <a:tr h="203200">
+                <a:tc>
+                  <a:txBody>
+                    <a:bodyPr/>
+                    <a:lstStyle/>
+                    <a:p>
+                      <a:pPr algn="l" fontAlgn="b"/>
+                      <a:r>
+                        <a:rPr lang="en-GB" sz="2400" u="none" strike="noStrike">
+                          <a:effectLst/>
+                        </a:rPr>
+                        <a:t>Week 6</a:t>
+                      </a:r>
+                      <a:endParaRPr lang="en-GB" sz="2400" b="0" i="0" u="none" strike="noStrike">
+                        <a:solidFill>
+                          <a:srgbClr val="000000"/>
+                        </a:solidFill>
+                        <a:effectLst/>
+                        <a:latin typeface="Calibri" panose="020F0502020204030204" pitchFamily="34" charset="0"/>
+                      </a:endParaRPr>
+                    </a:p>
+                  </a:txBody>
+                  <a:tcPr marL="9525" marR="9525" marT="9525" marB="0" anchor="b"/>
+                </a:tc>
+                <a:tc>
+                  <a:txBody>
+                    <a:bodyPr/>
+                    <a:lstStyle/>
+                    <a:p>
+                      <a:pPr algn="l" fontAlgn="b"/>
+                      <a:r>
+                        <a:rPr lang="en-GB" sz="2400" u="none" strike="noStrike">
+                          <a:effectLst/>
+                        </a:rPr>
+                        <a:t>Algorithms</a:t>
+                      </a:r>
+                      <a:endParaRPr lang="en-GB" sz="2400" b="0" i="0" u="none" strike="noStrike">
+                        <a:solidFill>
+                          <a:srgbClr val="000000"/>
+                        </a:solidFill>
+                        <a:effectLst/>
+                        <a:latin typeface="Calibri" panose="020F0502020204030204" pitchFamily="34" charset="0"/>
+                      </a:endParaRPr>
+                    </a:p>
+                  </a:txBody>
+                  <a:tcPr marL="9525" marR="9525" marT="9525" marB="0" anchor="b"/>
+                </a:tc>
+                <a:extLst>
+                  <a:ext uri="{0D108BD9-81ED-4DB2-BD59-A6C34878D82A}">
+                    <a16:rowId xmlns:a16="http://schemas.microsoft.com/office/drawing/2014/main" val="2980728306"/>
+                  </a:ext>
+                </a:extLst>
+              </a:tr>
+              <a:tr h="203200">
+                <a:tc>
+                  <a:txBody>
+                    <a:bodyPr/>
+                    <a:lstStyle/>
+                    <a:p>
+                      <a:pPr algn="l" fontAlgn="b"/>
+                      <a:r>
+                        <a:rPr lang="en-GB" sz="2400" u="none" strike="noStrike">
+                          <a:effectLst/>
+                        </a:rPr>
+                        <a:t>Week 7</a:t>
+                      </a:r>
+                      <a:endParaRPr lang="en-GB" sz="2400" b="0" i="0" u="none" strike="noStrike">
+                        <a:solidFill>
+                          <a:srgbClr val="000000"/>
+                        </a:solidFill>
+                        <a:effectLst/>
+                        <a:latin typeface="Calibri" panose="020F0502020204030204" pitchFamily="34" charset="0"/>
+                      </a:endParaRPr>
+                    </a:p>
+                  </a:txBody>
+                  <a:tcPr marL="9525" marR="9525" marT="9525" marB="0" anchor="b"/>
+                </a:tc>
+                <a:tc>
+                  <a:txBody>
+                    <a:bodyPr/>
+                    <a:lstStyle/>
+                    <a:p>
+                      <a:pPr algn="l" fontAlgn="b"/>
+                      <a:r>
+                        <a:rPr lang="en-GB" sz="2400" u="none" strike="noStrike">
+                          <a:effectLst/>
+                        </a:rPr>
+                        <a:t>Complexity of Algorithms</a:t>
+                      </a:r>
+                      <a:endParaRPr lang="en-GB" sz="2400" b="0" i="0" u="none" strike="noStrike">
+                        <a:solidFill>
+                          <a:srgbClr val="000000"/>
+                        </a:solidFill>
+                        <a:effectLst/>
+                        <a:latin typeface="Calibri" panose="020F0502020204030204" pitchFamily="34" charset="0"/>
+                      </a:endParaRPr>
+                    </a:p>
+                  </a:txBody>
+                  <a:tcPr marL="9525" marR="9525" marT="9525" marB="0" anchor="b"/>
+                </a:tc>
+                <a:extLst>
+                  <a:ext uri="{0D108BD9-81ED-4DB2-BD59-A6C34878D82A}">
+                    <a16:rowId xmlns:a16="http://schemas.microsoft.com/office/drawing/2014/main" val="1439020594"/>
+                  </a:ext>
+                </a:extLst>
+              </a:tr>
+              <a:tr h="203200">
+                <a:tc>
+                  <a:txBody>
+                    <a:bodyPr/>
+                    <a:lstStyle/>
+                    <a:p>
+                      <a:pPr algn="l" fontAlgn="b"/>
+                      <a:r>
+                        <a:rPr lang="en-GB" sz="2400" u="none" strike="noStrike">
+                          <a:effectLst/>
+                        </a:rPr>
+                        <a:t>Week 8</a:t>
+                      </a:r>
+                      <a:endParaRPr lang="en-GB" sz="2400" b="0" i="0" u="none" strike="noStrike">
+                        <a:solidFill>
+                          <a:srgbClr val="000000"/>
+                        </a:solidFill>
+                        <a:effectLst/>
+                        <a:latin typeface="Calibri" panose="020F0502020204030204" pitchFamily="34" charset="0"/>
+                      </a:endParaRPr>
+                    </a:p>
+                  </a:txBody>
+                  <a:tcPr marL="9525" marR="9525" marT="9525" marB="0" anchor="b"/>
+                </a:tc>
+                <a:tc>
+                  <a:txBody>
+                    <a:bodyPr/>
+                    <a:lstStyle/>
+                    <a:p>
+                      <a:pPr algn="l" fontAlgn="b"/>
+                      <a:r>
+                        <a:rPr lang="en-GB" sz="2400" u="none" strike="noStrike">
+                          <a:effectLst/>
+                        </a:rPr>
+                        <a:t>Number Theory</a:t>
+                      </a:r>
+                      <a:endParaRPr lang="en-GB" sz="2400" b="0" i="0" u="none" strike="noStrike">
+                        <a:solidFill>
+                          <a:srgbClr val="000000"/>
+                        </a:solidFill>
+                        <a:effectLst/>
+                        <a:latin typeface="Calibri" panose="020F0502020204030204" pitchFamily="34" charset="0"/>
+                      </a:endParaRPr>
+                    </a:p>
+                  </a:txBody>
+                  <a:tcPr marL="9525" marR="9525" marT="9525" marB="0" anchor="b"/>
+                </a:tc>
+                <a:extLst>
+                  <a:ext uri="{0D108BD9-81ED-4DB2-BD59-A6C34878D82A}">
+                    <a16:rowId xmlns:a16="http://schemas.microsoft.com/office/drawing/2014/main" val="4218002290"/>
+                  </a:ext>
+                </a:extLst>
+              </a:tr>
+              <a:tr h="203200">
+                <a:tc>
+                  <a:txBody>
+                    <a:bodyPr/>
+                    <a:lstStyle/>
+                    <a:p>
+                      <a:pPr algn="l" fontAlgn="b"/>
+                      <a:r>
+                        <a:rPr lang="en-GB" sz="2400" u="none" strike="noStrike">
+                          <a:effectLst/>
+                        </a:rPr>
+                        <a:t>Week 9</a:t>
+                      </a:r>
+                      <a:endParaRPr lang="en-GB" sz="2400" b="0" i="0" u="none" strike="noStrike">
+                        <a:solidFill>
+                          <a:srgbClr val="000000"/>
+                        </a:solidFill>
+                        <a:effectLst/>
+                        <a:latin typeface="Calibri" panose="020F0502020204030204" pitchFamily="34" charset="0"/>
+                      </a:endParaRPr>
+                    </a:p>
+                  </a:txBody>
+                  <a:tcPr marL="9525" marR="9525" marT="9525" marB="0" anchor="b"/>
+                </a:tc>
+                <a:tc>
+                  <a:txBody>
+                    <a:bodyPr/>
+                    <a:lstStyle/>
+                    <a:p>
+                      <a:pPr algn="l" fontAlgn="b"/>
+                      <a:r>
+                        <a:rPr lang="en-GB" sz="2400" u="none" strike="noStrike">
+                          <a:effectLst/>
+                        </a:rPr>
+                        <a:t>Induction and Recursion</a:t>
+                      </a:r>
+                      <a:endParaRPr lang="en-GB" sz="2400" b="0" i="0" u="none" strike="noStrike">
+                        <a:solidFill>
+                          <a:srgbClr val="000000"/>
+                        </a:solidFill>
+                        <a:effectLst/>
+                        <a:latin typeface="Calibri" panose="020F0502020204030204" pitchFamily="34" charset="0"/>
+                      </a:endParaRPr>
+                    </a:p>
+                  </a:txBody>
+                  <a:tcPr marL="9525" marR="9525" marT="9525" marB="0" anchor="b"/>
+                </a:tc>
+                <a:extLst>
+                  <a:ext uri="{0D108BD9-81ED-4DB2-BD59-A6C34878D82A}">
+                    <a16:rowId xmlns:a16="http://schemas.microsoft.com/office/drawing/2014/main" val="1938806476"/>
+                  </a:ext>
+                </a:extLst>
+              </a:tr>
+              <a:tr h="203200">
+                <a:tc>
+                  <a:txBody>
+                    <a:bodyPr/>
+                    <a:lstStyle/>
+                    <a:p>
+                      <a:pPr algn="l" fontAlgn="b"/>
+                      <a:r>
+                        <a:rPr lang="en-GB" sz="2400" u="none" strike="noStrike">
+                          <a:effectLst/>
+                        </a:rPr>
+                        <a:t>Week 10</a:t>
+                      </a:r>
+                      <a:endParaRPr lang="en-GB" sz="2400" b="0" i="0" u="none" strike="noStrike">
+                        <a:solidFill>
+                          <a:srgbClr val="000000"/>
+                        </a:solidFill>
+                        <a:effectLst/>
+                        <a:latin typeface="Calibri" panose="020F0502020204030204" pitchFamily="34" charset="0"/>
+                      </a:endParaRPr>
+                    </a:p>
+                  </a:txBody>
+                  <a:tcPr marL="9525" marR="9525" marT="9525" marB="0" anchor="b"/>
+                </a:tc>
+                <a:tc>
+                  <a:txBody>
+                    <a:bodyPr/>
+                    <a:lstStyle/>
+                    <a:p>
+                      <a:pPr algn="l" fontAlgn="b"/>
+                      <a:r>
+                        <a:rPr lang="en-GB" sz="2400" u="none" strike="noStrike">
+                          <a:effectLst/>
+                        </a:rPr>
+                        <a:t>Counting</a:t>
+                      </a:r>
+                      <a:endParaRPr lang="en-GB" sz="2400" b="0" i="0" u="none" strike="noStrike">
+                        <a:solidFill>
+                          <a:srgbClr val="000000"/>
+                        </a:solidFill>
+                        <a:effectLst/>
+                        <a:latin typeface="Calibri" panose="020F0502020204030204" pitchFamily="34" charset="0"/>
+                      </a:endParaRPr>
+                    </a:p>
+                  </a:txBody>
+                  <a:tcPr marL="9525" marR="9525" marT="9525" marB="0" anchor="b"/>
+                </a:tc>
+                <a:extLst>
+                  <a:ext uri="{0D108BD9-81ED-4DB2-BD59-A6C34878D82A}">
+                    <a16:rowId xmlns:a16="http://schemas.microsoft.com/office/drawing/2014/main" val="1648707438"/>
+                  </a:ext>
+                </a:extLst>
+              </a:tr>
+              <a:tr h="203200">
+                <a:tc>
+                  <a:txBody>
+                    <a:bodyPr/>
+                    <a:lstStyle/>
+                    <a:p>
+                      <a:pPr algn="l" fontAlgn="b"/>
+                      <a:r>
+                        <a:rPr lang="en-GB" sz="2400" u="none" strike="noStrike">
+                          <a:effectLst/>
+                        </a:rPr>
+                        <a:t>Week 11</a:t>
+                      </a:r>
+                      <a:endParaRPr lang="en-GB" sz="2400" b="0" i="0" u="none" strike="noStrike">
+                        <a:solidFill>
+                          <a:srgbClr val="000000"/>
+                        </a:solidFill>
+                        <a:effectLst/>
+                        <a:latin typeface="Calibri" panose="020F0502020204030204" pitchFamily="34" charset="0"/>
+                      </a:endParaRPr>
+                    </a:p>
+                  </a:txBody>
+                  <a:tcPr marL="9525" marR="9525" marT="9525" marB="0" anchor="b"/>
+                </a:tc>
+                <a:tc>
+                  <a:txBody>
+                    <a:bodyPr/>
+                    <a:lstStyle/>
+                    <a:p>
+                      <a:pPr algn="l" fontAlgn="b"/>
+                      <a:r>
+                        <a:rPr lang="en-GB" sz="2400" u="none" strike="noStrike">
+                          <a:effectLst/>
+                        </a:rPr>
+                        <a:t>Advanced Counting</a:t>
+                      </a:r>
+                      <a:endParaRPr lang="en-GB" sz="2400" b="0" i="0" u="none" strike="noStrike">
+                        <a:solidFill>
+                          <a:srgbClr val="000000"/>
+                        </a:solidFill>
+                        <a:effectLst/>
+                        <a:latin typeface="Calibri" panose="020F0502020204030204" pitchFamily="34" charset="0"/>
+                      </a:endParaRPr>
+                    </a:p>
+                  </a:txBody>
+                  <a:tcPr marL="9525" marR="9525" marT="9525" marB="0" anchor="b"/>
+                </a:tc>
+                <a:extLst>
+                  <a:ext uri="{0D108BD9-81ED-4DB2-BD59-A6C34878D82A}">
+                    <a16:rowId xmlns:a16="http://schemas.microsoft.com/office/drawing/2014/main" val="3322632433"/>
+                  </a:ext>
+                </a:extLst>
+              </a:tr>
+              <a:tr h="203200">
+                <a:tc>
+                  <a:txBody>
+                    <a:bodyPr/>
+                    <a:lstStyle/>
+                    <a:p>
+                      <a:pPr algn="l" fontAlgn="b"/>
+                      <a:r>
+                        <a:rPr lang="en-GB" sz="2400" u="none" strike="noStrike">
+                          <a:effectLst/>
+                        </a:rPr>
+                        <a:t>Week 12</a:t>
+                      </a:r>
+                      <a:endParaRPr lang="en-GB" sz="2400" b="0" i="0" u="none" strike="noStrike">
+                        <a:solidFill>
+                          <a:srgbClr val="000000"/>
+                        </a:solidFill>
+                        <a:effectLst/>
+                        <a:latin typeface="Calibri" panose="020F0502020204030204" pitchFamily="34" charset="0"/>
+                      </a:endParaRPr>
+                    </a:p>
+                  </a:txBody>
+                  <a:tcPr marL="9525" marR="9525" marT="9525" marB="0" anchor="b"/>
+                </a:tc>
+                <a:tc>
+                  <a:txBody>
+                    <a:bodyPr/>
+                    <a:lstStyle/>
+                    <a:p>
+                      <a:pPr algn="l" fontAlgn="b"/>
+                      <a:r>
+                        <a:rPr lang="en-GB" sz="2400" u="none" strike="noStrike">
+                          <a:effectLst/>
+                        </a:rPr>
+                        <a:t>Probability</a:t>
+                      </a:r>
+                      <a:endParaRPr lang="en-GB" sz="2400" b="0" i="0" u="none" strike="noStrike">
+                        <a:solidFill>
+                          <a:srgbClr val="000000"/>
+                        </a:solidFill>
+                        <a:effectLst/>
+                        <a:latin typeface="Calibri" panose="020F0502020204030204" pitchFamily="34" charset="0"/>
+                      </a:endParaRPr>
+                    </a:p>
+                  </a:txBody>
+                  <a:tcPr marL="9525" marR="9525" marT="9525" marB="0" anchor="b"/>
+                </a:tc>
+                <a:extLst>
+                  <a:ext uri="{0D108BD9-81ED-4DB2-BD59-A6C34878D82A}">
+                    <a16:rowId xmlns:a16="http://schemas.microsoft.com/office/drawing/2014/main" val="183749718"/>
+                  </a:ext>
+                </a:extLst>
+              </a:tr>
+              <a:tr h="203200">
+                <a:tc>
+                  <a:txBody>
+                    <a:bodyPr/>
+                    <a:lstStyle/>
+                    <a:p>
+                      <a:pPr algn="l" fontAlgn="b"/>
+                      <a:r>
+                        <a:rPr lang="en-GB" sz="2400" u="none" strike="noStrike">
+                          <a:effectLst/>
+                        </a:rPr>
+                        <a:t>Week 13</a:t>
+                      </a:r>
+                      <a:endParaRPr lang="en-GB" sz="2400" b="0" i="0" u="none" strike="noStrike">
+                        <a:solidFill>
+                          <a:srgbClr val="000000"/>
+                        </a:solidFill>
+                        <a:effectLst/>
+                        <a:latin typeface="Calibri" panose="020F0502020204030204" pitchFamily="34" charset="0"/>
+                      </a:endParaRPr>
+                    </a:p>
+                  </a:txBody>
+                  <a:tcPr marL="9525" marR="9525" marT="9525" marB="0" anchor="b"/>
+                </a:tc>
+                <a:tc>
+                  <a:txBody>
+                    <a:bodyPr/>
+                    <a:lstStyle/>
+                    <a:p>
+                      <a:pPr algn="l" fontAlgn="b"/>
+                      <a:r>
+                        <a:rPr lang="en-GB" sz="2400" u="none" strike="noStrike" dirty="0">
+                          <a:effectLst/>
+                        </a:rPr>
+                        <a:t>Advanced Probability</a:t>
+                      </a:r>
+                      <a:endParaRPr lang="en-GB" sz="2400" b="0" i="0" u="none" strike="noStrike" dirty="0">
                         <a:solidFill>
                           <a:srgbClr val="000000"/>
                         </a:solidFill>
@@ -10816,33 +11639,33 @@
           <a:lstStyle/>
           <a:p>
             <a:r>
-              <a:rPr lang="en-US" b="1"/>
+              <a:rPr lang="en-US" b="1" dirty="0"/>
               <a:t>function</a:t>
             </a:r>
             <a:r>
-              <a:rPr lang="en-US"/>
+              <a:rPr lang="en-US" dirty="0"/>
               <a:t>: 			Canton -&gt; Surface (every canton has a surface)</a:t>
             </a:r>
           </a:p>
           <a:p>
             <a:r>
-              <a:rPr lang="en-US"/>
+              <a:rPr lang="en-US" dirty="0"/>
               <a:t>Not a function: 		Population -&gt; Capital (population does not determine the canton)</a:t>
             </a:r>
           </a:p>
           <a:p>
             <a:r>
-              <a:rPr lang="en-US" b="1"/>
+              <a:rPr lang="en-US" b="1" dirty="0"/>
               <a:t>injective function</a:t>
             </a:r>
             <a:r>
-              <a:rPr lang="en-US"/>
-              <a:t>:		Canton -&gt; Capital (only one capital value per canton)</a:t>
-            </a:r>
-          </a:p>
-          <a:p>
-            <a:r>
-              <a:rPr lang="en-US"/>
+              <a:rPr lang="en-US" dirty="0"/>
+              <a:t>:		Canton -&gt; Capital (every canton has a different capital)</a:t>
+            </a:r>
+          </a:p>
+          <a:p>
+            <a:r>
+              <a:rPr lang="en-US" dirty="0"/>
               <a:t>Not injective:		Canton -&gt; Population, different cantons may have same population</a:t>
             </a:r>
           </a:p>

--- a/Lectures/Week 0/0. Introduction.pptx
+++ b/Lectures/Week 0/0. Introduction.pptx
@@ -275,7 +275,7 @@
           <a:lstStyle/>
           <a:p>
             <a:fld id="{5A16CCFD-ABC4-514A-ACED-AF374D0AF7A0}" type="datetimeFigureOut">
-              <a:t>9/15/20</a:t>
+              <a:t>15.09.20</a:t>
             </a:fld>
             <a:endParaRPr lang="en-US"/>
           </a:p>
@@ -471,7 +471,7 @@
           <a:lstStyle/>
           <a:p>
             <a:fld id="{5A16CCFD-ABC4-514A-ACED-AF374D0AF7A0}" type="datetimeFigureOut">
-              <a:t>9/15/20</a:t>
+              <a:t>15.09.20</a:t>
             </a:fld>
             <a:endParaRPr lang="en-US"/>
           </a:p>
@@ -677,7 +677,7 @@
           <a:lstStyle/>
           <a:p>
             <a:fld id="{5A16CCFD-ABC4-514A-ACED-AF374D0AF7A0}" type="datetimeFigureOut">
-              <a:t>9/15/20</a:t>
+              <a:t>15.09.20</a:t>
             </a:fld>
             <a:endParaRPr lang="en-US"/>
           </a:p>
@@ -873,7 +873,7 @@
           <a:lstStyle/>
           <a:p>
             <a:fld id="{5A16CCFD-ABC4-514A-ACED-AF374D0AF7A0}" type="datetimeFigureOut">
-              <a:t>9/15/20</a:t>
+              <a:t>15.09.20</a:t>
             </a:fld>
             <a:endParaRPr lang="en-US"/>
           </a:p>
@@ -1146,7 +1146,7 @@
           <a:lstStyle/>
           <a:p>
             <a:fld id="{5A16CCFD-ABC4-514A-ACED-AF374D0AF7A0}" type="datetimeFigureOut">
-              <a:t>9/15/20</a:t>
+              <a:t>15.09.20</a:t>
             </a:fld>
             <a:endParaRPr lang="en-US"/>
           </a:p>
@@ -1409,7 +1409,7 @@
           <a:lstStyle/>
           <a:p>
             <a:fld id="{5A16CCFD-ABC4-514A-ACED-AF374D0AF7A0}" type="datetimeFigureOut">
-              <a:t>9/15/20</a:t>
+              <a:t>15.09.20</a:t>
             </a:fld>
             <a:endParaRPr lang="en-US"/>
           </a:p>
@@ -1819,7 +1819,7 @@
           <a:lstStyle/>
           <a:p>
             <a:fld id="{5A16CCFD-ABC4-514A-ACED-AF374D0AF7A0}" type="datetimeFigureOut">
-              <a:t>9/15/20</a:t>
+              <a:t>15.09.20</a:t>
             </a:fld>
             <a:endParaRPr lang="en-US"/>
           </a:p>
@@ -1958,7 +1958,7 @@
           <a:lstStyle/>
           <a:p>
             <a:fld id="{5A16CCFD-ABC4-514A-ACED-AF374D0AF7A0}" type="datetimeFigureOut">
-              <a:t>9/15/20</a:t>
+              <a:t>15.09.20</a:t>
             </a:fld>
             <a:endParaRPr lang="en-US"/>
           </a:p>
@@ -2069,7 +2069,7 @@
           <a:lstStyle/>
           <a:p>
             <a:fld id="{5A16CCFD-ABC4-514A-ACED-AF374D0AF7A0}" type="datetimeFigureOut">
-              <a:t>9/15/20</a:t>
+              <a:t>15.09.20</a:t>
             </a:fld>
             <a:endParaRPr lang="en-US"/>
           </a:p>
@@ -2378,7 +2378,7 @@
           <a:lstStyle/>
           <a:p>
             <a:fld id="{5A16CCFD-ABC4-514A-ACED-AF374D0AF7A0}" type="datetimeFigureOut">
-              <a:t>9/15/20</a:t>
+              <a:t>15.09.20</a:t>
             </a:fld>
             <a:endParaRPr lang="en-US"/>
           </a:p>
@@ -2664,7 +2664,7 @@
           <a:lstStyle/>
           <a:p>
             <a:fld id="{5A16CCFD-ABC4-514A-ACED-AF374D0AF7A0}" type="datetimeFigureOut">
-              <a:t>9/15/20</a:t>
+              <a:t>15.09.20</a:t>
             </a:fld>
             <a:endParaRPr lang="en-US"/>
           </a:p>
@@ -2903,7 +2903,7 @@
           </a:lstStyle>
           <a:p>
             <a:fld id="{5A16CCFD-ABC4-514A-ACED-AF374D0AF7A0}" type="datetimeFigureOut">
-              <a:t>9/15/20</a:t>
+              <a:t>15.09.20</a:t>
             </a:fld>
             <a:endParaRPr lang="en-US"/>
           </a:p>
@@ -11004,9 +11004,7 @@
           <p:cNvGraphicFramePr>
             <a:graphicFrameLocks noGrp="1"/>
           </p:cNvGraphicFramePr>
-          <p:nvPr>
-            <p:extLst/>
-          </p:nvPr>
+          <p:nvPr/>
         </p:nvGraphicFramePr>
         <p:xfrm>
           <a:off x="5959736" y="-17359"/>
@@ -12240,20 +12238,20 @@
           <a:lstStyle/>
           <a:p>
             <a:r>
-              <a:rPr lang="en-US"/>
+              <a:rPr lang="en-US" dirty="0"/>
               <a:t>How did the computer sort?</a:t>
             </a:r>
           </a:p>
           <a:p>
-            <a:endParaRPr lang="en-US"/>
-          </a:p>
-          <a:p>
-            <a:r>
-              <a:rPr lang="en-US"/>
+            <a:endParaRPr lang="en-US" dirty="0"/>
+          </a:p>
+          <a:p>
+            <a:r>
+              <a:rPr lang="en-US" dirty="0"/>
               <a:t>A simple </a:t>
             </a:r>
             <a:r>
-              <a:rPr lang="en-US" b="1"/>
+              <a:rPr lang="en-US" b="1" dirty="0"/>
               <a:t>algorithm</a:t>
             </a:r>
           </a:p>
@@ -12263,7 +12261,7 @@
               <a:buChar char="•"/>
             </a:pPr>
             <a:r>
-              <a:rPr lang="en-US"/>
+              <a:rPr lang="en-US" dirty="0"/>
               <a:t>Take the first</a:t>
             </a:r>
           </a:p>
@@ -12273,7 +12271,7 @@
               <a:buChar char="•"/>
             </a:pPr>
             <a:r>
-              <a:rPr lang="en-US"/>
+              <a:rPr lang="en-US" dirty="0"/>
               <a:t>Take the second, put it into right position</a:t>
             </a:r>
           </a:p>
@@ -12283,7 +12281,7 @@
               <a:buChar char="•"/>
             </a:pPr>
             <a:r>
-              <a:rPr lang="en-US"/>
+              <a:rPr lang="en-US" dirty="0"/>
               <a:t>Take the third, put it into right position</a:t>
             </a:r>
           </a:p>
@@ -12293,89 +12291,89 @@
               <a:buChar char="•"/>
             </a:pPr>
             <a:r>
-              <a:rPr lang="en-US"/>
+              <a:rPr lang="en-US" dirty="0"/>
               <a:t>Etc.</a:t>
             </a:r>
           </a:p>
           <a:p>
-            <a:endParaRPr lang="en-US"/>
-          </a:p>
-          <a:p>
-            <a:r>
-              <a:rPr lang="en-US"/>
+            <a:endParaRPr lang="en-US" dirty="0"/>
+          </a:p>
+          <a:p>
+            <a:r>
+              <a:rPr lang="en-US" dirty="0"/>
               <a:t>How much time? (worst case </a:t>
             </a:r>
             <a:r>
-              <a:rPr lang="en-US" b="1"/>
+              <a:rPr lang="en-US" b="1" dirty="0"/>
               <a:t>complexity</a:t>
             </a:r>
             <a:r>
-              <a:rPr lang="en-US"/>
+              <a:rPr lang="en-US" dirty="0"/>
               <a:t>)</a:t>
             </a:r>
           </a:p>
           <a:p>
-            <a:endParaRPr lang="en-US"/>
-          </a:p>
-          <a:p>
-            <a:r>
-              <a:rPr lang="en-US"/>
-              <a:t>1 + 2 + 3 + … + n = n*(n-1)/2  </a:t>
-            </a:r>
-          </a:p>
-          <a:p>
-            <a:r>
-              <a:rPr lang="en-US"/>
+            <a:endParaRPr lang="en-US" dirty="0"/>
+          </a:p>
+          <a:p>
+            <a:r>
+              <a:rPr lang="en-US" dirty="0"/>
+              <a:t>1 + 2 + 3 + … + n = n*(n+1)/2  </a:t>
+            </a:r>
+          </a:p>
+          <a:p>
+            <a:r>
+              <a:rPr lang="en-US" dirty="0"/>
               <a:t>a </a:t>
             </a:r>
             <a:r>
-              <a:rPr lang="en-US" b="1"/>
+              <a:rPr lang="en-US" b="1" dirty="0"/>
               <a:t>sequence</a:t>
             </a:r>
             <a:r>
-              <a:rPr lang="en-US"/>
+              <a:rPr lang="en-US" dirty="0"/>
               <a:t> and its </a:t>
             </a:r>
             <a:r>
-              <a:rPr lang="en-US" b="1"/>
+              <a:rPr lang="en-US" b="1" dirty="0"/>
               <a:t>summation</a:t>
             </a:r>
           </a:p>
           <a:p>
-            <a:endParaRPr lang="en-US"/>
-          </a:p>
-          <a:p>
-            <a:r>
-              <a:rPr lang="en-US"/>
+            <a:endParaRPr lang="en-US" dirty="0"/>
+          </a:p>
+          <a:p>
+            <a:r>
+              <a:rPr lang="en-US" dirty="0"/>
               <a:t>We can do much better: n log</a:t>
             </a:r>
             <a:r>
-              <a:rPr lang="en-US" baseline="-25000"/>
+              <a:rPr lang="en-US" baseline="-25000" dirty="0"/>
               <a:t>2</a:t>
             </a:r>
             <a:r>
-              <a:rPr lang="en-US"/>
+              <a:rPr lang="en-US" dirty="0"/>
               <a:t>(n)</a:t>
             </a:r>
           </a:p>
           <a:p>
-            <a:endParaRPr lang="en-US"/>
-          </a:p>
-          <a:p>
-            <a:r>
-              <a:rPr lang="en-US"/>
+            <a:endParaRPr lang="en-US" dirty="0"/>
+          </a:p>
+          <a:p>
+            <a:r>
+              <a:rPr lang="en-US" dirty="0"/>
               <a:t>e.g. 1000 cities</a:t>
             </a:r>
           </a:p>
           <a:p>
             <a:r>
-              <a:rPr lang="en-US"/>
-              <a:t>n*(n-1)/2 	 approx. 500’000 steps</a:t>
-            </a:r>
-          </a:p>
-          <a:p>
-            <a:r>
-              <a:rPr lang="en-US"/>
+              <a:rPr lang="en-US" dirty="0"/>
+              <a:t>n*(n+1)/2 	 approx. 500’000 steps</a:t>
+            </a:r>
+          </a:p>
+          <a:p>
+            <a:r>
+              <a:rPr lang="en-US" dirty="0"/>
               <a:t>n log(n)		 approx. 10’000 steps</a:t>
             </a:r>
           </a:p>
